--- a/DataSemanticsProjectPresentation.pptx
+++ b/DataSemanticsProjectPresentation.pptx
@@ -3812,6 +3812,32 @@
               <a:rPr lang="en-US" dirty="0" smtClean="0"/>
               <a:t>UNIVERSITY OF IOWA LIBRARY CATALOG</a:t>
             </a:r>
+            <a:endParaRPr lang="en-US" dirty="0"/>
+          </a:p>
+        </p:txBody>
+      </p:sp>
+      <p:sp>
+        <p:nvSpPr>
+          <p:cNvPr id="4" name="TextBox 3"/>
+          <p:cNvSpPr txBox="1"/>
+          <p:nvPr/>
+        </p:nvSpPr>
+        <p:spPr>
+          <a:xfrm>
+            <a:off x="-1734708" y="3299275"/>
+            <a:ext cx="184666" cy="369332"/>
+          </a:xfrm>
+          <a:prstGeom prst="rect">
+            <a:avLst/>
+          </a:prstGeom>
+          <a:noFill/>
+        </p:spPr>
+        <p:txBody>
+          <a:bodyPr wrap="none" rtlCol="0">
+            <a:spAutoFit/>
+          </a:bodyPr>
+          <a:lstStyle/>
+          <a:p>
             <a:endParaRPr lang="en-US" dirty="0"/>
           </a:p>
         </p:txBody>
